--- a/presentation.pptx
+++ b/presentation.pptx
@@ -18,8 +18,6 @@
     <p:sldId id="265" r:id="rId13"/>
     <p:sldId id="266" r:id="rId14"/>
     <p:sldId id="267" r:id="rId15"/>
-    <p:sldId id="268" r:id="rId16"/>
-    <p:sldId id="269" r:id="rId17"/>
   </p:sldIdLst>
   <p:sldSz cx="9144000" cy="6858000"/>
   <p:notesSz cx="7559675" cy="10691812"/>
@@ -3022,7 +3020,7 @@
                 <a:spcPct val="100000"/>
               </a:lnSpc>
             </a:pPr>
-            <a:fld id="{10C952B4-8916-4C9A-86C7-74273EFBAEE9}" type="datetime">
+            <a:fld id="{03C75A6F-6F23-441C-8111-5FC6E8B3E36D}" type="datetime">
               <a:rPr b="0" lang="ru-RU" sz="1200" spc="-1" strike="noStrike">
                 <a:solidFill>
                   <a:srgbClr val="8b8b8b"/>
@@ -3096,7 +3094,7 @@
                 <a:spcPct val="100000"/>
               </a:lnSpc>
             </a:pPr>
-            <a:fld id="{57EBA057-633D-4D27-ADFF-9C44B1AC793C}" type="slidenum">
+            <a:fld id="{C45E0379-00B9-4C16-B7C2-33D85AB633AE}" type="slidenum">
               <a:rPr b="0" lang="ru-RU" sz="1200" spc="-1" strike="noStrike">
                 <a:solidFill>
                   <a:srgbClr val="8b8b8b"/>
@@ -3627,7 +3625,7 @@
                 <a:spcPct val="100000"/>
               </a:lnSpc>
             </a:pPr>
-            <a:fld id="{16AFFBF7-146F-4666-B8BA-EB290BED38EA}" type="datetime">
+            <a:fld id="{E10EEEC5-6318-4D77-90C4-60D6BD865B2F}" type="datetime">
               <a:rPr b="0" lang="ru-RU" sz="1200" spc="-1" strike="noStrike">
                 <a:solidFill>
                   <a:srgbClr val="8b8b8b"/>
@@ -3701,7 +3699,7 @@
                 <a:spcPct val="100000"/>
               </a:lnSpc>
             </a:pPr>
-            <a:fld id="{67037681-41DD-4D27-B1F1-6CF79B0157A2}" type="slidenum">
+            <a:fld id="{A13FF18B-74B6-4F1D-818E-F79CFEBDF882}" type="slidenum">
               <a:rPr b="0" lang="ru-RU" sz="1200" spc="-1" strike="noStrike">
                 <a:solidFill>
                   <a:srgbClr val="8b8b8b"/>
@@ -4304,115 +4302,6 @@
 <file path=ppt/slides/slide12.xml><?xml version="1.0" encoding="utf-8"?>
 <p:sld xmlns:a="http://schemas.openxmlformats.org/drawingml/2006/main" xmlns:p="http://schemas.openxmlformats.org/presentationml/2006/main" xmlns:r="http://schemas.openxmlformats.org/officeDocument/2006/relationships" xmlns:p14="http://schemas.microsoft.com/office/powerpoint/2010/main" xmlns:p15="http://schemas.microsoft.com/office/powerpoint/2012/main" xmlns:mc="http://schemas.openxmlformats.org/markup-compatibility/2006">
   <p:cSld>
-    <p:spTree>
-      <p:nvGrpSpPr>
-        <p:cNvPr id="1" name=""/>
-        <p:cNvGrpSpPr/>
-        <p:nvPr/>
-      </p:nvGrpSpPr>
-      <p:grpSpPr>
-        <a:xfrm>
-          <a:off x="0" y="0"/>
-          <a:ext cx="0" cy="0"/>
-          <a:chOff x="0" y="0"/>
-          <a:chExt cx="0" cy="0"/>
-        </a:xfrm>
-      </p:grpSpPr>
-      <p:pic>
-        <p:nvPicPr>
-          <p:cNvPr id="149" name="Picture 2_0" descr="Лицей Академии Яндекса – Лидер"/>
-          <p:cNvPicPr/>
-          <p:nvPr/>
-        </p:nvPicPr>
-        <p:blipFill>
-          <a:blip r:embed="rId1"/>
-          <a:stretch/>
-        </p:blipFill>
-        <p:spPr>
-          <a:xfrm>
-            <a:off x="5484600" y="12600"/>
-            <a:ext cx="3240000" cy="1746720"/>
-          </a:xfrm>
-          <a:prstGeom prst="rect">
-            <a:avLst/>
-          </a:prstGeom>
-          <a:ln w="0">
-            <a:noFill/>
-          </a:ln>
-        </p:spPr>
-      </p:pic>
-      <p:sp>
-        <p:nvSpPr>
-          <p:cNvPr id="150" name="CustomShape 1"/>
-          <p:cNvSpPr/>
-          <p:nvPr/>
-        </p:nvSpPr>
-        <p:spPr>
-          <a:xfrm>
-            <a:off x="1924920" y="2685960"/>
-            <a:ext cx="5455080" cy="1274040"/>
-          </a:xfrm>
-          <a:prstGeom prst="rect">
-            <a:avLst/>
-          </a:prstGeom>
-          <a:noFill/>
-          <a:ln w="0">
-            <a:noFill/>
-          </a:ln>
-        </p:spPr>
-        <p:style>
-          <a:lnRef idx="0"/>
-          <a:fillRef idx="0"/>
-          <a:effectRef idx="0"/>
-          <a:fontRef idx="minor"/>
-        </p:style>
-        <p:txBody>
-          <a:bodyPr>
-            <a:normAutofit/>
-          </a:bodyPr>
-          <a:p>
-            <a:pPr>
-              <a:lnSpc>
-                <a:spcPct val="100000"/>
-              </a:lnSpc>
-              <a:spcBef>
-                <a:spcPts val="561"/>
-              </a:spcBef>
-              <a:tabLst>
-                <a:tab algn="l" pos="0"/>
-              </a:tabLst>
-            </a:pPr>
-            <a:r>
-              <a:rPr b="0" lang="ru-RU" sz="4400" spc="-1" strike="noStrike">
-                <a:solidFill>
-                  <a:srgbClr val="000000"/>
-                </a:solidFill>
-                <a:latin typeface="Calibri"/>
-              </a:rPr>
-              <a:t>Спасибо за внимание</a:t>
-            </a:r>
-            <a:endParaRPr b="0" lang="ru-RU" sz="4400" spc="-1" strike="noStrike">
-              <a:latin typeface="Arial"/>
-            </a:endParaRPr>
-          </a:p>
-        </p:txBody>
-      </p:sp>
-    </p:spTree>
-  </p:cSld>
-  <mc:AlternateContent>
-    <mc:Choice Requires="p14">
-      <p:transition spd="slow" p14:dur="2000"/>
-    </mc:Choice>
-    <mc:Fallback>
-      <p:transition spd="slow"/>
-    </mc:Fallback>
-  </mc:AlternateContent>
-</p:sld>
-</file>
-
-<file path=ppt/slides/slide13.xml><?xml version="1.0" encoding="utf-8"?>
-<p:sld xmlns:a="http://schemas.openxmlformats.org/drawingml/2006/main" xmlns:p="http://schemas.openxmlformats.org/presentationml/2006/main" xmlns:r="http://schemas.openxmlformats.org/officeDocument/2006/relationships" xmlns:p14="http://schemas.microsoft.com/office/powerpoint/2010/main" xmlns:p15="http://schemas.microsoft.com/office/powerpoint/2012/main" xmlns:mc="http://schemas.openxmlformats.org/markup-compatibility/2006">
-  <p:cSld>
     <p:bg>
       <p:bgPr>
         <a:solidFill>
@@ -4434,9 +4323,32 @@
           <a:chExt cx="0" cy="0"/>
         </a:xfrm>
       </p:grpSpPr>
-      <p:sp>
-        <p:nvSpPr>
-          <p:cNvPr id="151" name="CustomShape 1"/>
+      <p:pic>
+        <p:nvPicPr>
+          <p:cNvPr id="149" name="Picture 2" descr="Яндекс.Лицей в ВПИ (филиал) ВолгГТУ"/>
+          <p:cNvPicPr/>
+          <p:nvPr/>
+        </p:nvPicPr>
+        <p:blipFill>
+          <a:blip r:embed="rId1"/>
+          <a:stretch/>
+        </p:blipFill>
+        <p:spPr>
+          <a:xfrm>
+            <a:off x="4284000" y="-5040"/>
+            <a:ext cx="4608000" cy="3456000"/>
+          </a:xfrm>
+          <a:prstGeom prst="rect">
+            <a:avLst/>
+          </a:prstGeom>
+          <a:ln w="0">
+            <a:noFill/>
+          </a:ln>
+        </p:spPr>
+      </p:pic>
+      <p:sp>
+        <p:nvSpPr>
+          <p:cNvPr id="150" name="CustomShape 1"/>
           <p:cNvSpPr/>
           <p:nvPr/>
         </p:nvSpPr>
@@ -4462,14 +4374,14 @@
       </p:sp>
       <p:sp>
         <p:nvSpPr>
-          <p:cNvPr id="152" name="CustomShape 2"/>
+          <p:cNvPr id="151" name="CustomShape 2"/>
           <p:cNvSpPr/>
           <p:nvPr/>
         </p:nvSpPr>
         <p:spPr>
           <a:xfrm>
-            <a:off x="1620000" y="2700000"/>
-            <a:ext cx="5455080" cy="1274040"/>
+            <a:off x="484920" y="930600"/>
+            <a:ext cx="3510720" cy="1994040"/>
           </a:xfrm>
           <a:prstGeom prst="rect">
             <a:avLst/>
@@ -4502,144 +4414,23 @@
               </a:tabLst>
             </a:pPr>
             <a:r>
-              <a:rPr b="0" lang="ru-RU" sz="4400" spc="-1" strike="noStrike">
-                <a:solidFill>
-                  <a:srgbClr val="000000"/>
-                </a:solidFill>
-                <a:latin typeface="Calibri"/>
-              </a:rPr>
-              <a:t>Спасибо за внимание</a:t>
-            </a:r>
-            <a:endParaRPr b="0" lang="ru-RU" sz="4400" spc="-1" strike="noStrike">
+              <a:rPr b="0" lang="ru-RU" sz="2800" spc="-1" strike="noStrike">
+                <a:solidFill>
+                  <a:srgbClr val="000000"/>
+                </a:solidFill>
+                <a:latin typeface="Calibri"/>
+              </a:rPr>
+              <a:t>Спасибо за внимание. Я готов ответить на Ваши вопросы</a:t>
+            </a:r>
+            <a:endParaRPr b="0" lang="ru-RU" sz="2800" spc="-1" strike="noStrike">
               <a:latin typeface="Arial"/>
-            </a:endParaRPr>
-          </a:p>
-        </p:txBody>
-      </p:sp>
-      <p:sp>
-        <p:nvSpPr>
-          <p:cNvPr id="153" name="CustomShape 3"/>
-          <p:cNvSpPr/>
-          <p:nvPr/>
-        </p:nvSpPr>
-        <p:spPr>
-          <a:xfrm>
-            <a:off x="587520" y="5749200"/>
-            <a:ext cx="7968600" cy="791640"/>
-          </a:xfrm>
-          <a:prstGeom prst="rect">
-            <a:avLst/>
-          </a:prstGeom>
-          <a:noFill/>
-          <a:ln w="0">
-            <a:noFill/>
-          </a:ln>
-        </p:spPr>
-        <p:style>
-          <a:lnRef idx="0"/>
-          <a:fillRef idx="0"/>
-          <a:effectRef idx="0"/>
-          <a:fontRef idx="minor"/>
-        </p:style>
-      </p:sp>
-    </p:spTree>
-  </p:cSld>
-  <mc:AlternateContent>
-    <mc:Choice Requires="p14">
-      <p:transition spd="slow" p14:dur="2000"/>
-    </mc:Choice>
-    <mc:Fallback>
-      <p:transition spd="slow"/>
-    </mc:Fallback>
-  </mc:AlternateContent>
-</p:sld>
-</file>
-
-<file path=ppt/slides/slide14.xml><?xml version="1.0" encoding="utf-8"?>
-<p:sld xmlns:a="http://schemas.openxmlformats.org/drawingml/2006/main" xmlns:p="http://schemas.openxmlformats.org/presentationml/2006/main" xmlns:r="http://schemas.openxmlformats.org/officeDocument/2006/relationships" xmlns:p14="http://schemas.microsoft.com/office/powerpoint/2010/main" xmlns:p15="http://schemas.microsoft.com/office/powerpoint/2012/main" xmlns:mc="http://schemas.openxmlformats.org/markup-compatibility/2006">
-  <p:cSld>
-    <p:spTree>
-      <p:nvGrpSpPr>
-        <p:cNvPr id="1" name=""/>
-        <p:cNvGrpSpPr/>
-        <p:nvPr/>
-      </p:nvGrpSpPr>
-      <p:grpSpPr>
-        <a:xfrm>
-          <a:off x="0" y="0"/>
-          <a:ext cx="0" cy="0"/>
-          <a:chOff x="0" y="0"/>
-          <a:chExt cx="0" cy="0"/>
-        </a:xfrm>
-      </p:grpSpPr>
-      <p:sp>
-        <p:nvSpPr>
-          <p:cNvPr id="154" name="TextShape 1"/>
-          <p:cNvSpPr txBox="1"/>
-          <p:nvPr/>
-        </p:nvSpPr>
-        <p:spPr>
-          <a:xfrm>
-            <a:off x="3240000" y="360000"/>
-            <a:ext cx="2340000" cy="1015560"/>
-          </a:xfrm>
-          <a:prstGeom prst="rect">
-            <a:avLst/>
-          </a:prstGeom>
-          <a:noFill/>
-          <a:ln w="0">
-            <a:noFill/>
-          </a:ln>
-        </p:spPr>
-        <p:txBody>
-          <a:bodyPr lIns="0" rIns="0" tIns="0" bIns="0" anchor="ctr">
-            <a:noAutofit/>
-          </a:bodyPr>
-          <a:p>
-            <a:r>
-              <a:rPr b="0" lang="ru-RU" sz="4000" spc="-1" strike="noStrike">
-                <a:solidFill>
-                  <a:srgbClr val="000000"/>
-                </a:solidFill>
-                <a:latin typeface="Calibri"/>
-              </a:rPr>
-              <a:t>Вопросы?</a:t>
-            </a:r>
-            <a:endParaRPr b="0" lang="ru-RU" sz="4000" spc="-1" strike="noStrike">
-              <a:solidFill>
-                <a:srgbClr val="000000"/>
-              </a:solidFill>
-              <a:latin typeface="Calibri"/>
             </a:endParaRPr>
           </a:p>
         </p:txBody>
       </p:sp>
       <p:pic>
         <p:nvPicPr>
-          <p:cNvPr id="155" name="Picture 6_0" descr="https://o.remove.bg/downloads/c8c0031d-7993-4530-bc8c-51c91e6b80a0/GitHub-Logo-removebg-preview.png"/>
-          <p:cNvPicPr/>
-          <p:nvPr/>
-        </p:nvPicPr>
-        <p:blipFill>
-          <a:blip r:embed="rId1"/>
-          <a:stretch/>
-        </p:blipFill>
-        <p:spPr>
-          <a:xfrm>
-            <a:off x="180000" y="2340000"/>
-            <a:ext cx="4212720" cy="2372040"/>
-          </a:xfrm>
-          <a:prstGeom prst="rect">
-            <a:avLst/>
-          </a:prstGeom>
-          <a:ln w="0">
-            <a:noFill/>
-          </a:ln>
-        </p:spPr>
-      </p:pic>
-      <p:pic>
-        <p:nvPicPr>
-          <p:cNvPr id="156" name="Picture 8_0" descr="http://qrcoder.ru/code/?https%3A%2F%2Fgithub.com%2Fnovd7%2Fyandex_project1_stress_in_words&amp;8&amp;0"/>
+          <p:cNvPr id="152" name="Picture 6" descr="https://o.remove.bg/downloads/c8c0031d-7993-4530-bc8c-51c91e6b80a0/GitHub-Logo-removebg-preview.png"/>
           <p:cNvPicPr/>
           <p:nvPr/>
         </p:nvPicPr>
@@ -4649,8 +4440,87 @@
         </p:blipFill>
         <p:spPr>
           <a:xfrm>
-            <a:off x="4320000" y="1620000"/>
-            <a:ext cx="4320000" cy="4320000"/>
+            <a:off x="-234000" y="2730600"/>
+            <a:ext cx="4948560" cy="2786400"/>
+          </a:xfrm>
+          <a:prstGeom prst="rect">
+            <a:avLst/>
+          </a:prstGeom>
+          <a:ln w="0">
+            <a:noFill/>
+          </a:ln>
+        </p:spPr>
+      </p:pic>
+      <p:sp>
+        <p:nvSpPr>
+          <p:cNvPr id="153" name="CustomShape 3"/>
+          <p:cNvSpPr/>
+          <p:nvPr/>
+        </p:nvSpPr>
+        <p:spPr>
+          <a:xfrm>
+            <a:off x="587520" y="5749200"/>
+            <a:ext cx="7968600" cy="791640"/>
+          </a:xfrm>
+          <a:prstGeom prst="rect">
+            <a:avLst/>
+          </a:prstGeom>
+          <a:noFill/>
+          <a:ln w="0">
+            <a:noFill/>
+          </a:ln>
+        </p:spPr>
+        <p:style>
+          <a:lnRef idx="0"/>
+          <a:fillRef idx="0"/>
+          <a:effectRef idx="0"/>
+          <a:fontRef idx="minor"/>
+        </p:style>
+        <p:txBody>
+          <a:bodyPr>
+            <a:normAutofit/>
+          </a:bodyPr>
+          <a:p>
+            <a:pPr>
+              <a:lnSpc>
+                <a:spcPct val="100000"/>
+              </a:lnSpc>
+              <a:spcBef>
+                <a:spcPts val="561"/>
+              </a:spcBef>
+              <a:tabLst>
+                <a:tab algn="l" pos="0"/>
+              </a:tabLst>
+            </a:pPr>
+            <a:r>
+              <a:rPr b="0" lang="en-US" sz="2800" spc="-1" strike="noStrike">
+                <a:solidFill>
+                  <a:srgbClr val="000000"/>
+                </a:solidFill>
+                <a:latin typeface="Calibri"/>
+              </a:rPr>
+              <a:t>github.com/novd7/yandex_project1_stress_in_words</a:t>
+            </a:r>
+            <a:endParaRPr b="0" lang="ru-RU" sz="2800" spc="-1" strike="noStrike">
+              <a:latin typeface="Arial"/>
+            </a:endParaRPr>
+          </a:p>
+        </p:txBody>
+      </p:sp>
+      <p:pic>
+        <p:nvPicPr>
+          <p:cNvPr id="154" name="Picture 8" descr="http://qrcoder.ru/code/?https%3A%2F%2Fgithub.com%2Fnovd7%2Fyandex_project1_stress_in_words&amp;8&amp;0"/>
+          <p:cNvPicPr/>
+          <p:nvPr/>
+        </p:nvPicPr>
+        <p:blipFill>
+          <a:blip r:embed="rId3"/>
+          <a:stretch/>
+        </p:blipFill>
+        <p:spPr>
+          <a:xfrm>
+            <a:off x="5220000" y="2730600"/>
+            <a:ext cx="3123720" cy="3123720"/>
           </a:xfrm>
           <a:prstGeom prst="rect">
             <a:avLst/>
